--- a/fall17/slidesF17/SATdoes3color.pptx
+++ b/fall17/slidesF17/SATdoes3color.pptx
@@ -205,7 +205,7 @@
           <a:p>
             <a:fld id="{7BC65607-B9AA-444D-B125-43798888EA97}" type="datetimeFigureOut">
               <a:rPr lang="en-US" smtClean="0"/>
-              <a:t>10/26/17</a:t>
+              <a:t>10/27/17</a:t>
             </a:fld>
             <a:endParaRPr lang="en-US"/>
           </a:p>
@@ -370,7 +370,7 @@
           <a:p>
             <a:fld id="{22EA5504-093C-334E-B924-997511A88994}" type="datetimeFigureOut">
               <a:rPr lang="en-US" smtClean="0"/>
-              <a:t>10/26/17</a:t>
+              <a:t>10/27/17</a:t>
             </a:fld>
             <a:endParaRPr lang="en-US"/>
           </a:p>
@@ -3052,23 +3052,11 @@
                   <a:srgbClr val="FF0BBE"/>
                 </a:solidFill>
               </a:rPr>
-              <a:t>3</a:t>
-            </a:r>
-            <a:r>
-              <a:rPr lang="en-US" dirty="0" smtClean="0">
-                <a:solidFill>
-                  <a:srgbClr val="FF0BBE"/>
-                </a:solidFill>
-              </a:rPr>
-              <a:t>-Color</a:t>
+              <a:t>3-Color</a:t>
             </a:r>
             <a:r>
               <a:rPr lang="en-US" dirty="0" smtClean="0"/>
-              <a:t> </a:t>
-            </a:r>
-            <a:r>
-              <a:rPr lang="en-US" dirty="0" smtClean="0"/>
-              <a:t>stand and fall together:  there is an “efficient” (polynomial time) </a:t>
+              <a:t> stand and fall together:  there is an “efficient” (polynomial time) </a:t>
             </a:r>
             <a:r>
               <a:rPr lang="en-US" dirty="0" smtClean="0">
@@ -3096,15 +3084,7 @@
                   <a:srgbClr val="FF0BBE"/>
                 </a:solidFill>
               </a:rPr>
-              <a:t>3</a:t>
-            </a:r>
-            <a:r>
-              <a:rPr lang="en-US" dirty="0" smtClean="0">
-                <a:solidFill>
-                  <a:srgbClr val="FF0BBE"/>
-                </a:solidFill>
-              </a:rPr>
-              <a:t>-Color</a:t>
+              <a:t>3-Color</a:t>
             </a:r>
             <a:r>
               <a:rPr lang="en-US" dirty="0" smtClean="0"/>
@@ -3205,13 +3185,13 @@
   <p:clrMapOvr>
     <a:masterClrMapping/>
   </p:clrMapOvr>
-  <mc:AlternateContent xmlns:mc="http://schemas.openxmlformats.org/markup-compatibility/2006">
-    <mc:Choice xmlns:p14="http://schemas.microsoft.com/office/powerpoint/2010/main" Requires="p14">
+  <mc:AlternateContent xmlns:mc="http://schemas.openxmlformats.org/markup-compatibility/2006" xmlns:p14="http://schemas.microsoft.com/office/powerpoint/2010/main">
+    <mc:Choice Requires="p14">
       <p:transition spd="med" p14:dur="700" advClick="0">
         <p:fade/>
       </p:transition>
     </mc:Choice>
-    <mc:Fallback>
+    <mc:Fallback xmlns="">
       <p:transition xmlns:p14="http://schemas.microsoft.com/office/powerpoint/2010/main" spd="med" advClick="0">
         <p:fade/>
       </p:transition>
@@ -4872,7 +4852,7 @@
           <a:graphicData uri="http://schemas.openxmlformats.org/presentationml/2006/ole">
             <mc:AlternateContent xmlns:mc="http://schemas.openxmlformats.org/markup-compatibility/2006">
               <mc:Choice xmlns:v="urn:schemas-microsoft-com:vml" Requires="v">
-                <p:oleObj spid="_x0000_s2068" name="Equation" r:id="rId3" imgW="1244600" imgH="292100" progId="Equation.DSMT4">
+                <p:oleObj spid="_x0000_s2071" name="Equation" r:id="rId3" imgW="1244600" imgH="292100" progId="Equation.DSMT4">
                   <p:embed/>
                 </p:oleObj>
               </mc:Choice>
@@ -4929,7 +4909,7 @@
           <a:graphicData uri="http://schemas.openxmlformats.org/presentationml/2006/ole">
             <mc:AlternateContent xmlns:mc="http://schemas.openxmlformats.org/markup-compatibility/2006">
               <mc:Choice xmlns:v="urn:schemas-microsoft-com:vml" Requires="v">
-                <p:oleObj spid="_x0000_s2069" name="Equation" r:id="rId5" imgW="381000" imgH="177800" progId="Equation.DSMT4">
+                <p:oleObj spid="_x0000_s2072" name="Equation" r:id="rId5" imgW="381000" imgH="177800" progId="Equation.DSMT4">
                   <p:embed/>
                 </p:oleObj>
               </mc:Choice>
@@ -5251,25 +5231,25 @@
           <p:nvPr>
             <p:extLst>
               <p:ext uri="{D42A27DB-BD31-4B8C-83A1-F6EECF244321}">
-                <p14:modId xmlns:p14="http://schemas.microsoft.com/office/powerpoint/2010/main" val="4136786613"/>
+                <p14:modId xmlns:p14="http://schemas.microsoft.com/office/powerpoint/2010/main" val="987888848"/>
               </p:ext>
             </p:extLst>
           </p:nvPr>
         </p:nvGraphicFramePr>
         <p:xfrm>
-          <a:off x="1433513" y="992188"/>
-          <a:ext cx="6184900" cy="1123950"/>
+          <a:off x="1584325" y="992188"/>
+          <a:ext cx="5881688" cy="1123950"/>
         </p:xfrm>
         <a:graphic>
           <a:graphicData uri="http://schemas.openxmlformats.org/presentationml/2006/ole">
             <mc:AlternateContent xmlns:mc="http://schemas.openxmlformats.org/markup-compatibility/2006">
               <mc:Choice xmlns:v="urn:schemas-microsoft-com:vml" Requires="v">
-                <p:oleObj spid="_x0000_s1060" name="Equation" r:id="rId3" imgW="1816100" imgH="330200" progId="Equation.DSMT4">
+                <p:oleObj spid="_x0000_s1064" name="Equation" r:id="rId3" imgW="1727200" imgH="330200" progId="Equation.3">
                   <p:embed/>
                 </p:oleObj>
               </mc:Choice>
               <mc:Fallback>
-                <p:oleObj name="Equation" r:id="rId3" imgW="1816100" imgH="330200" progId="Equation.DSMT4">
+                <p:oleObj name="Equation" r:id="rId3" imgW="1727200" imgH="330200" progId="Equation.3">
                   <p:embed/>
                   <p:pic>
                     <p:nvPicPr>
@@ -5285,8 +5265,8 @@
                     </p:blipFill>
                     <p:spPr>
                       <a:xfrm>
-                        <a:off x="1433513" y="992188"/>
-                        <a:ext cx="6184900" cy="1123950"/>
+                        <a:off x="1584325" y="992188"/>
+                        <a:ext cx="5881688" cy="1123950"/>
                       </a:xfrm>
                       <a:prstGeom prst="rect">
                         <a:avLst/>
@@ -5308,25 +5288,25 @@
           <p:nvPr>
             <p:extLst>
               <p:ext uri="{D42A27DB-BD31-4B8C-83A1-F6EECF244321}">
-                <p14:modId xmlns:p14="http://schemas.microsoft.com/office/powerpoint/2010/main" val="1463978122"/>
+                <p14:modId xmlns:p14="http://schemas.microsoft.com/office/powerpoint/2010/main" val="813096397"/>
               </p:ext>
             </p:extLst>
           </p:nvPr>
         </p:nvGraphicFramePr>
         <p:xfrm>
-          <a:off x="1486292" y="3155323"/>
-          <a:ext cx="5059362" cy="1123950"/>
+          <a:off x="1756018" y="3155950"/>
+          <a:ext cx="5016500" cy="1123950"/>
         </p:xfrm>
         <a:graphic>
           <a:graphicData uri="http://schemas.openxmlformats.org/presentationml/2006/ole">
             <mc:AlternateContent xmlns:mc="http://schemas.openxmlformats.org/markup-compatibility/2006">
               <mc:Choice xmlns:v="urn:schemas-microsoft-com:vml" Requires="v">
-                <p:oleObj spid="_x0000_s1061" name="Equation" r:id="rId5" imgW="1485900" imgH="330200" progId="Equation.DSMT4">
+                <p:oleObj spid="_x0000_s1065" name="Equation" r:id="rId5" imgW="1473200" imgH="330200" progId="Equation.3">
                   <p:embed/>
                 </p:oleObj>
               </mc:Choice>
               <mc:Fallback>
-                <p:oleObj name="Equation" r:id="rId5" imgW="1485900" imgH="330200" progId="Equation.DSMT4">
+                <p:oleObj name="Equation" r:id="rId5" imgW="1473200" imgH="330200" progId="Equation.3">
                   <p:embed/>
                   <p:pic>
                     <p:nvPicPr>
@@ -5342,8 +5322,8 @@
                     </p:blipFill>
                     <p:spPr>
                       <a:xfrm>
-                        <a:off x="1486292" y="3155323"/>
-                        <a:ext cx="5059362" cy="1123950"/>
+                        <a:off x="1756018" y="3155950"/>
+                        <a:ext cx="5016500" cy="1123950"/>
                       </a:xfrm>
                       <a:prstGeom prst="rect">
                         <a:avLst/>
@@ -5365,25 +5345,25 @@
           <p:nvPr>
             <p:extLst>
               <p:ext uri="{D42A27DB-BD31-4B8C-83A1-F6EECF244321}">
-                <p14:modId xmlns:p14="http://schemas.microsoft.com/office/powerpoint/2010/main" val="2760700420"/>
+                <p14:modId xmlns:p14="http://schemas.microsoft.com/office/powerpoint/2010/main" val="2356913567"/>
               </p:ext>
             </p:extLst>
           </p:nvPr>
         </p:nvGraphicFramePr>
         <p:xfrm>
-          <a:off x="1447800" y="2059804"/>
-          <a:ext cx="6184900" cy="1123950"/>
+          <a:off x="1727200" y="2060575"/>
+          <a:ext cx="5624513" cy="1123950"/>
         </p:xfrm>
         <a:graphic>
           <a:graphicData uri="http://schemas.openxmlformats.org/presentationml/2006/ole">
             <mc:AlternateContent xmlns:mc="http://schemas.openxmlformats.org/markup-compatibility/2006">
               <mc:Choice xmlns:v="urn:schemas-microsoft-com:vml" Requires="v">
-                <p:oleObj spid="_x0000_s1062" name="Equation" r:id="rId7" imgW="1816100" imgH="330200" progId="Equation.DSMT4">
+                <p:oleObj spid="_x0000_s1066" name="Equation" r:id="rId7" imgW="1651000" imgH="330200" progId="Equation.3">
                   <p:embed/>
                 </p:oleObj>
               </mc:Choice>
               <mc:Fallback>
-                <p:oleObj name="Equation" r:id="rId7" imgW="1816100" imgH="330200" progId="Equation.DSMT4">
+                <p:oleObj name="Equation" r:id="rId7" imgW="1651000" imgH="330200" progId="Equation.3">
                   <p:embed/>
                   <p:pic>
                     <p:nvPicPr>
@@ -5399,8 +5379,8 @@
                     </p:blipFill>
                     <p:spPr>
                       <a:xfrm>
-                        <a:off x="1447800" y="2059804"/>
-                        <a:ext cx="6184900" cy="1123950"/>
+                        <a:off x="1727200" y="2060575"/>
+                        <a:ext cx="5624513" cy="1123950"/>
                       </a:xfrm>
                       <a:prstGeom prst="rect">
                         <a:avLst/>
@@ -6330,7 +6310,7 @@
           <a:graphicData uri="http://schemas.openxmlformats.org/presentationml/2006/ole">
             <mc:AlternateContent xmlns:mc="http://schemas.openxmlformats.org/markup-compatibility/2006">
               <mc:Choice xmlns:v="urn:schemas-microsoft-com:vml" Requires="v">
-                <p:oleObj spid="_x0000_s3083" name="Equation" r:id="rId3" imgW="1574800" imgH="812800" progId="Equation.DSMT4">
+                <p:oleObj spid="_x0000_s3085" name="Equation" r:id="rId3" imgW="1574800" imgH="812800" progId="Equation.DSMT4">
                   <p:embed/>
                 </p:oleObj>
               </mc:Choice>
@@ -7164,7 +7144,7 @@
           <a:graphicData uri="http://schemas.openxmlformats.org/presentationml/2006/ole">
             <mc:AlternateContent xmlns:mc="http://schemas.openxmlformats.org/markup-compatibility/2006">
               <mc:Choice xmlns:v="urn:schemas-microsoft-com:vml" Requires="v">
-                <p:oleObj spid="_x0000_s5132" name="Equation" r:id="rId4" imgW="939800" imgH="444500" progId="Equation.DSMT4">
+                <p:oleObj spid="_x0000_s5134" name="Equation" r:id="rId4" imgW="939800" imgH="444500" progId="Equation.DSMT4">
                   <p:embed/>
                 </p:oleObj>
               </mc:Choice>
